--- a/frontend-cursus/ 3 - JavaScript Tutorial.pptx
+++ b/frontend-cursus/ 3 - JavaScript Tutorial.pptx
@@ -7780,19 +7780,25 @@
             <a:r>
               <a:rPr lang="en-US" b="1" dirty="0">
                 <a:solidFill>
-                  <a:srgbClr val="0070C0"/>
+                  <a:schemeClr val="accent4"/>
                 </a:solidFill>
                 <a:highlight>
                   <a:srgbClr val="FFFF00"/>
                 </a:highlight>
-                <a:hlinkClick r:id="rId3"/>
+                <a:hlinkClick r:id="rId3">
+                  <a:extLst>
+                    <a:ext uri="{A12FA001-AC4F-418D-AE19-62706E023703}">
+                      <ahyp:hlinkClr xmlns:ahyp="http://schemas.microsoft.com/office/drawing/2018/hyperlinkcolor" val="tx"/>
+                    </a:ext>
+                  </a:extLst>
+                </a:hlinkClick>
               </a:rPr>
               <a:t>https://www.w3schools.com/</a:t>
             </a:r>
             <a:r>
               <a:rPr lang="en-US" b="1" dirty="0" err="1">
                 <a:solidFill>
-                  <a:srgbClr val="FF0000"/>
+                  <a:schemeClr val="accent4"/>
                 </a:solidFill>
                 <a:highlight>
                   <a:srgbClr val="FFFF00"/>
@@ -7802,7 +7808,7 @@
             </a:r>
             <a:endParaRPr lang="en-US" b="1" dirty="0">
               <a:solidFill>
-                <a:srgbClr val="FF0000"/>
+                <a:schemeClr val="accent4"/>
               </a:solidFill>
               <a:highlight>
                 <a:srgbClr val="FFFF00"/>
@@ -7835,10 +7841,10 @@
             <a:r>
               <a:rPr lang="en-US" b="1" dirty="0">
                 <a:solidFill>
-                  <a:srgbClr val="FF0000"/>
+                  <a:schemeClr val="bg1"/>
                 </a:solidFill>
                 <a:highlight>
-                  <a:srgbClr val="FFFF00"/>
+                  <a:srgbClr val="000000"/>
                 </a:highlight>
               </a:rPr>
               <a:t>OR</a:t>
@@ -7887,7 +7893,7 @@
                   <a:srgbClr val="FFFF00"/>
                 </a:highlight>
               </a:rPr>
-              <a:t>developer.mozilla.org</a:t>
+              <a:t>javascript.info</a:t>
             </a:r>
             <a:r>
               <a:rPr lang="en-US" b="1" dirty="0">
@@ -7900,37 +7906,11 @@
               </a:rPr>
               <a:t>/</a:t>
             </a:r>
-            <a:r>
-              <a:rPr lang="en-US" b="1" dirty="0" err="1">
-                <a:solidFill>
-                  <a:srgbClr val="FF0000"/>
-                </a:solidFill>
-                <a:highlight>
-                  <a:srgbClr val="FFFF00"/>
-                </a:highlight>
-              </a:rPr>
-              <a:t>nl</a:t>
-            </a:r>
-            <a:r>
-              <a:rPr lang="en-US" b="1" dirty="0">
-                <a:solidFill>
-                  <a:srgbClr val="FF0000"/>
-                </a:solidFill>
-                <a:highlight>
-                  <a:srgbClr val="FFFF00"/>
-                </a:highlight>
-              </a:rPr>
-              <a:t>/docs/Web/JavaScript/Guide</a:t>
-            </a:r>
-          </a:p>
-          <a:p>
-            <a:pPr lvl="0" algn="ctr">
-              <a:spcBef>
-                <a:spcPts val="0"/>
-              </a:spcBef>
-              <a:buNone/>
-            </a:pPr>
-            <a:endParaRPr lang="en-US" b="1" dirty="0"/>
+            <a:endParaRPr lang="en-US" b="1" dirty="0">
+              <a:highlight>
+                <a:srgbClr val="FFFF00"/>
+              </a:highlight>
+            </a:endParaRPr>
           </a:p>
           <a:p>
             <a:pPr lvl="0" algn="ctr">

--- a/frontend-cursus/ 3 - JavaScript Tutorial.pptx
+++ b/frontend-cursus/ 3 - JavaScript Tutorial.pptx
@@ -5,10 +5,11 @@
     <p:sldMasterId id="2147483660" r:id="rId1"/>
   </p:sldMasterIdLst>
   <p:notesMasterIdLst>
-    <p:notesMasterId r:id="rId3"/>
+    <p:notesMasterId r:id="rId4"/>
   </p:notesMasterIdLst>
   <p:sldIdLst>
     <p:sldId id="257" r:id="rId2"/>
+    <p:sldId id="258" r:id="rId3"/>
   </p:sldIdLst>
   <p:sldSz cx="13004800" cy="9753600"/>
   <p:notesSz cx="6858000" cy="9144000"/>
@@ -648,6 +649,112 @@
         </p:txBody>
       </p:sp>
     </p:spTree>
+  </p:cSld>
+  <p:clrMapOvr>
+    <a:masterClrMapping/>
+  </p:clrMapOvr>
+</p:notes>
+</file>
+
+<file path=ppt/notesSlides/notesSlide2.xml><?xml version="1.0" encoding="utf-8"?>
+<p:notes xmlns:a="http://schemas.openxmlformats.org/drawingml/2006/main" xmlns:r="http://schemas.openxmlformats.org/officeDocument/2006/relationships" xmlns:p="http://schemas.openxmlformats.org/presentationml/2006/main" showMasterSp="0" showMasterPhAnim="0">
+  <p:cSld>
+    <p:spTree>
+      <p:nvGrpSpPr>
+        <p:cNvPr id="1" name="Shape 60"/>
+        <p:cNvGrpSpPr/>
+        <p:nvPr/>
+      </p:nvGrpSpPr>
+      <p:grpSpPr>
+        <a:xfrm>
+          <a:off x="0" y="0"/>
+          <a:ext cx="0" cy="0"/>
+          <a:chOff x="0" y="0"/>
+          <a:chExt cx="0" cy="0"/>
+        </a:xfrm>
+      </p:grpSpPr>
+      <p:sp>
+        <p:nvSpPr>
+          <p:cNvPr id="61" name="Shape 61"/>
+          <p:cNvSpPr>
+            <a:spLocks noGrp="1" noRot="1" noChangeAspect="1"/>
+          </p:cNvSpPr>
+          <p:nvPr>
+            <p:ph type="sldImg" idx="2"/>
+          </p:nvPr>
+        </p:nvSpPr>
+        <p:spPr>
+          <a:xfrm>
+            <a:off x="1143000" y="685800"/>
+            <a:ext cx="4572000" cy="3429000"/>
+          </a:xfrm>
+          <a:custGeom>
+            <a:avLst/>
+            <a:gdLst/>
+            <a:ahLst/>
+            <a:cxnLst/>
+            <a:rect l="0" t="0" r="0" b="0"/>
+            <a:pathLst>
+              <a:path w="120000" h="120000" extrusionOk="0">
+                <a:moveTo>
+                  <a:pt x="0" y="0"/>
+                </a:moveTo>
+                <a:lnTo>
+                  <a:pt x="120000" y="0"/>
+                </a:lnTo>
+                <a:lnTo>
+                  <a:pt x="120000" y="120000"/>
+                </a:lnTo>
+                <a:lnTo>
+                  <a:pt x="0" y="120000"/>
+                </a:lnTo>
+                <a:close/>
+              </a:path>
+            </a:pathLst>
+          </a:custGeom>
+        </p:spPr>
+      </p:sp>
+      <p:sp>
+        <p:nvSpPr>
+          <p:cNvPr id="62" name="Shape 62"/>
+          <p:cNvSpPr txBox="1">
+            <a:spLocks noGrp="1"/>
+          </p:cNvSpPr>
+          <p:nvPr>
+            <p:ph type="body" idx="1"/>
+          </p:nvPr>
+        </p:nvSpPr>
+        <p:spPr>
+          <a:xfrm>
+            <a:off x="914400" y="4343400"/>
+            <a:ext cx="5029200" cy="4114800"/>
+          </a:xfrm>
+          <a:prstGeom prst="rect">
+            <a:avLst/>
+          </a:prstGeom>
+        </p:spPr>
+        <p:txBody>
+          <a:bodyPr lIns="91425" tIns="91425" rIns="91425" bIns="91425" anchor="t" anchorCtr="0">
+            <a:noAutofit/>
+          </a:bodyPr>
+          <a:lstStyle/>
+          <a:p>
+            <a:pPr lvl="0">
+              <a:spcBef>
+                <a:spcPts val="0"/>
+              </a:spcBef>
+              <a:buNone/>
+            </a:pPr>
+            <a:endParaRPr/>
+          </a:p>
+        </p:txBody>
+      </p:sp>
+    </p:spTree>
+    <p:extLst>
+      <p:ext uri="{BB962C8B-B14F-4D97-AF65-F5344CB8AC3E}">
+        <p14:creationId xmlns:p14="http://schemas.microsoft.com/office/powerpoint/2010/main" val="1787789933"/>
+      </p:ext>
+    </p:extLst>
   </p:cSld>
   <p:clrMapOvr>
     <a:masterClrMapping/>
@@ -7750,15 +7857,16 @@
           </a:bodyPr>
           <a:lstStyle/>
           <a:p>
-            <a:pPr lvl="0" algn="ctr">
-              <a:spcBef>
-                <a:spcPts val="0"/>
-              </a:spcBef>
+            <a:pPr marL="180975" indent="0" algn="ctr">
               <a:buNone/>
             </a:pPr>
             <a:r>
-              <a:rPr lang="en-US" b="1" dirty="0"/>
-              <a:t>See:</a:t>
+              <a:rPr lang="en-US" b="1" dirty="0">
+                <a:solidFill>
+                  <a:srgbClr val="00B0F0"/>
+                </a:solidFill>
+              </a:rPr>
+              <a:t>Learn JavaScript:</a:t>
             </a:r>
           </a:p>
           <a:p>
@@ -7768,7 +7876,11 @@
               </a:spcBef>
               <a:buNone/>
             </a:pPr>
-            <a:endParaRPr lang="en-US" b="1" dirty="0"/>
+            <a:endParaRPr lang="en-US" b="1" dirty="0">
+              <a:solidFill>
+                <a:schemeClr val="bg1"/>
+              </a:solidFill>
+            </a:endParaRPr>
           </a:p>
           <a:p>
             <a:pPr lvl="0" algn="ctr">
@@ -7779,6 +7891,80 @@
             </a:pPr>
             <a:r>
               <a:rPr lang="en-US" b="1" dirty="0">
+                <a:solidFill>
+                  <a:schemeClr val="tx1"/>
+                </a:solidFill>
+                <a:highlight>
+                  <a:srgbClr val="FFFF00"/>
+                </a:highlight>
+              </a:rPr>
+              <a:t>https://</a:t>
+            </a:r>
+            <a:r>
+              <a:rPr lang="en-US" b="1" dirty="0" err="1">
+                <a:solidFill>
+                  <a:schemeClr val="tx1"/>
+                </a:solidFill>
+                <a:highlight>
+                  <a:srgbClr val="FFFF00"/>
+                </a:highlight>
+              </a:rPr>
+              <a:t>www.learn-js.org</a:t>
+            </a:r>
+            <a:endParaRPr lang="en-US" b="1" dirty="0">
+              <a:solidFill>
+                <a:schemeClr val="tx1"/>
+              </a:solidFill>
+              <a:highlight>
+                <a:srgbClr val="FFFF00"/>
+              </a:highlight>
+            </a:endParaRPr>
+          </a:p>
+          <a:p>
+            <a:pPr lvl="0" algn="ctr">
+              <a:spcBef>
+                <a:spcPts val="0"/>
+              </a:spcBef>
+              <a:buNone/>
+            </a:pPr>
+            <a:endParaRPr lang="en-US" b="1" dirty="0">
+              <a:solidFill>
+                <a:schemeClr val="bg1"/>
+              </a:solidFill>
+            </a:endParaRPr>
+          </a:p>
+        </p:txBody>
+      </p:sp>
+      <p:sp>
+        <p:nvSpPr>
+          <p:cNvPr id="2" name="Rectangle 1">
+            <a:extLst>
+              <a:ext uri="{FF2B5EF4-FFF2-40B4-BE49-F238E27FC236}">
+                <a16:creationId xmlns:a16="http://schemas.microsoft.com/office/drawing/2014/main" id="{126ADA3A-1262-FE4D-85BB-26FF64B34ED4}"/>
+              </a:ext>
+            </a:extLst>
+          </p:cNvPr>
+          <p:cNvSpPr/>
+          <p:nvPr/>
+        </p:nvSpPr>
+        <p:spPr>
+          <a:xfrm>
+            <a:off x="3461736" y="7048112"/>
+            <a:ext cx="6850505" cy="646331"/>
+          </a:xfrm>
+          <a:prstGeom prst="rect">
+            <a:avLst/>
+          </a:prstGeom>
+        </p:spPr>
+        <p:txBody>
+          <a:bodyPr wrap="square">
+            <a:spAutoFit/>
+          </a:bodyPr>
+          <a:lstStyle/>
+          <a:p>
+            <a:pPr lvl="0" algn="ctr"/>
+            <a:r>
+              <a:rPr lang="en-US" sz="3600" b="1" dirty="0">
                 <a:solidFill>
                   <a:schemeClr val="accent4"/>
                 </a:solidFill>
@@ -7796,7 +7982,7 @@
               <a:t>https://www.w3schools.com/</a:t>
             </a:r>
             <a:r>
-              <a:rPr lang="en-US" b="1" dirty="0" err="1">
+              <a:rPr lang="en-US" sz="3600" b="1" dirty="0" err="1">
                 <a:solidFill>
                   <a:schemeClr val="accent4"/>
                 </a:solidFill>
@@ -7806,7 +7992,7 @@
               </a:rPr>
               <a:t>js</a:t>
             </a:r>
-            <a:endParaRPr lang="en-US" b="1" dirty="0">
+            <a:endParaRPr lang="en-US" sz="3600" b="1" dirty="0">
               <a:solidFill>
                 <a:schemeClr val="accent4"/>
               </a:solidFill>
@@ -7815,22 +8001,95 @@
               </a:highlight>
             </a:endParaRPr>
           </a:p>
+        </p:txBody>
+      </p:sp>
+    </p:spTree>
+  </p:cSld>
+  <p:clrMapOvr>
+    <a:masterClrMapping/>
+  </p:clrMapOvr>
+</p:sld>
+</file>
+
+<file path=ppt/slides/slide2.xml><?xml version="1.0" encoding="utf-8"?>
+<p:sld xmlns:a="http://schemas.openxmlformats.org/drawingml/2006/main" xmlns:r="http://schemas.openxmlformats.org/officeDocument/2006/relationships" xmlns:p="http://schemas.openxmlformats.org/presentationml/2006/main">
+  <p:cSld>
+    <p:spTree>
+      <p:nvGrpSpPr>
+        <p:cNvPr id="1" name="Shape 63"/>
+        <p:cNvGrpSpPr/>
+        <p:nvPr/>
+      </p:nvGrpSpPr>
+      <p:grpSpPr>
+        <a:xfrm>
+          <a:off x="0" y="0"/>
+          <a:ext cx="0" cy="0"/>
+          <a:chOff x="0" y="0"/>
+          <a:chExt cx="0" cy="0"/>
+        </a:xfrm>
+      </p:grpSpPr>
+      <p:sp>
+        <p:nvSpPr>
+          <p:cNvPr id="64" name="Shape 64"/>
+          <p:cNvSpPr txBox="1">
+            <a:spLocks noGrp="1"/>
+          </p:cNvSpPr>
+          <p:nvPr>
+            <p:ph type="title"/>
+          </p:nvPr>
+        </p:nvSpPr>
+        <p:spPr>
+          <a:xfrm>
+            <a:off x="952500" y="254000"/>
+            <a:ext cx="11099700" cy="2159100"/>
+          </a:xfrm>
+          <a:prstGeom prst="rect">
+            <a:avLst/>
+          </a:prstGeom>
+        </p:spPr>
+        <p:txBody>
+          <a:bodyPr lIns="91425" tIns="91425" rIns="91425" bIns="91425" anchor="ctr" anchorCtr="0">
+            <a:noAutofit/>
+          </a:bodyPr>
+          <a:lstStyle/>
           <a:p>
-            <a:pPr lvl="0" algn="ctr">
+            <a:pPr lvl="0">
               <a:spcBef>
                 <a:spcPts val="0"/>
               </a:spcBef>
               <a:buNone/>
             </a:pPr>
-            <a:endParaRPr lang="en-US" b="1" dirty="0">
-              <a:solidFill>
-                <a:srgbClr val="FF0000"/>
-              </a:solidFill>
-              <a:highlight>
-                <a:srgbClr val="FFFF00"/>
-              </a:highlight>
-            </a:endParaRPr>
+            <a:r>
+              <a:rPr lang="en-US" dirty="0"/>
+              <a:t>JavaScript Guide</a:t>
+            </a:r>
           </a:p>
+        </p:txBody>
+      </p:sp>
+      <p:sp>
+        <p:nvSpPr>
+          <p:cNvPr id="65" name="Shape 65"/>
+          <p:cNvSpPr txBox="1">
+            <a:spLocks noGrp="1"/>
+          </p:cNvSpPr>
+          <p:nvPr>
+            <p:ph type="body" idx="1"/>
+          </p:nvPr>
+        </p:nvSpPr>
+        <p:spPr>
+          <a:xfrm>
+            <a:off x="952500" y="2413100"/>
+            <a:ext cx="11868978" cy="6286500"/>
+          </a:xfrm>
+          <a:prstGeom prst="rect">
+            <a:avLst/>
+          </a:prstGeom>
+        </p:spPr>
+        <p:txBody>
+          <a:bodyPr lIns="91425" tIns="91425" rIns="91425" bIns="91425" anchor="ctr" anchorCtr="0">
+            <a:noAutofit/>
+          </a:bodyPr>
+          <a:lstStyle/>
           <a:p>
             <a:pPr lvl="0" algn="ctr">
               <a:spcBef>
@@ -7841,13 +8100,10 @@
             <a:r>
               <a:rPr lang="en-US" b="1" dirty="0">
                 <a:solidFill>
-                  <a:schemeClr val="bg1"/>
-                </a:solidFill>
-                <a:highlight>
-                  <a:srgbClr val="000000"/>
-                </a:highlight>
+                  <a:srgbClr val="00B0F0"/>
+                </a:solidFill>
               </a:rPr>
-              <a:t>OR</a:t>
+              <a:t>Guides:</a:t>
             </a:r>
           </a:p>
           <a:p>
@@ -7924,6 +8180,11 @@
         </p:txBody>
       </p:sp>
     </p:spTree>
+    <p:extLst>
+      <p:ext uri="{BB962C8B-B14F-4D97-AF65-F5344CB8AC3E}">
+        <p14:creationId xmlns:p14="http://schemas.microsoft.com/office/powerpoint/2010/main" val="1234894290"/>
+      </p:ext>
+    </p:extLst>
   </p:cSld>
   <p:clrMapOvr>
     <a:masterClrMapping/>

--- a/frontend-cursus/ 3 - JavaScript Tutorial.pptx
+++ b/frontend-cursus/ 3 - JavaScript Tutorial.pptx
@@ -7870,6 +7870,63 @@
             </a:r>
           </a:p>
           <a:p>
+            <a:pPr marL="180975" indent="0" algn="ctr">
+              <a:buNone/>
+            </a:pPr>
+            <a:r>
+              <a:rPr lang="en-US" b="1" dirty="0">
+                <a:solidFill>
+                  <a:srgbClr val="00B0F0"/>
+                </a:solidFill>
+                <a:highlight>
+                  <a:srgbClr val="FFFF00"/>
+                </a:highlight>
+              </a:rPr>
+              <a:t>https://</a:t>
+            </a:r>
+            <a:r>
+              <a:rPr lang="en-US" b="1" dirty="0" err="1">
+                <a:solidFill>
+                  <a:srgbClr val="00B0F0"/>
+                </a:solidFill>
+                <a:highlight>
+                  <a:srgbClr val="FFFF00"/>
+                </a:highlight>
+              </a:rPr>
+              <a:t>www.codecademy.com</a:t>
+            </a:r>
+            <a:r>
+              <a:rPr lang="en-US" b="1" dirty="0">
+                <a:solidFill>
+                  <a:srgbClr val="00B0F0"/>
+                </a:solidFill>
+                <a:highlight>
+                  <a:srgbClr val="FFFF00"/>
+                </a:highlight>
+              </a:rPr>
+              <a:t>/learn/introduction-to-</a:t>
+            </a:r>
+            <a:r>
+              <a:rPr lang="en-US" b="1" dirty="0" err="1">
+                <a:solidFill>
+                  <a:srgbClr val="00B0F0"/>
+                </a:solidFill>
+                <a:highlight>
+                  <a:srgbClr val="FFFF00"/>
+                </a:highlight>
+              </a:rPr>
+              <a:t>javascript</a:t>
+            </a:r>
+            <a:endParaRPr lang="en-US" b="1" dirty="0">
+              <a:solidFill>
+                <a:srgbClr val="00B0F0"/>
+              </a:solidFill>
+              <a:highlight>
+                <a:srgbClr val="FFFF00"/>
+              </a:highlight>
+            </a:endParaRPr>
+          </a:p>
+          <a:p>
             <a:pPr lvl="0" algn="ctr">
               <a:spcBef>
                 <a:spcPts val="0"/>
@@ -7897,20 +7954,26 @@
                 <a:highlight>
                   <a:srgbClr val="FFFF00"/>
                 </a:highlight>
+                <a:hlinkClick r:id="rId3"/>
               </a:rPr>
-              <a:t>https://</a:t>
+              <a:t>https://www.learn-js.org</a:t>
             </a:r>
-            <a:r>
-              <a:rPr lang="en-US" b="1" dirty="0" err="1">
-                <a:solidFill>
-                  <a:schemeClr val="tx1"/>
-                </a:solidFill>
-                <a:highlight>
-                  <a:srgbClr val="FFFF00"/>
-                </a:highlight>
-              </a:rPr>
-              <a:t>www.learn-js.org</a:t>
-            </a:r>
+            <a:endParaRPr lang="en-US" b="1" dirty="0">
+              <a:solidFill>
+                <a:schemeClr val="tx1"/>
+              </a:solidFill>
+              <a:highlight>
+                <a:srgbClr val="FFFF00"/>
+              </a:highlight>
+            </a:endParaRPr>
+          </a:p>
+          <a:p>
+            <a:pPr lvl="0" algn="ctr">
+              <a:spcBef>
+                <a:spcPts val="0"/>
+              </a:spcBef>
+              <a:buNone/>
+            </a:pPr>
             <a:endParaRPr lang="en-US" b="1" dirty="0">
               <a:solidFill>
                 <a:schemeClr val="tx1"/>
@@ -7971,7 +8034,7 @@
                 <a:highlight>
                   <a:srgbClr val="FFFF00"/>
                 </a:highlight>
-                <a:hlinkClick r:id="rId3">
+                <a:hlinkClick r:id="rId4">
                   <a:extLst>
                     <a:ext uri="{A12FA001-AC4F-418D-AE19-62706E023703}">
                       <ahyp:hlinkClr xmlns:ahyp="http://schemas.microsoft.com/office/drawing/2018/hyperlinkcolor" val="tx"/>
